--- a/Presentation1.pptx
+++ b/Presentation1.pptx
@@ -3386,7 +3386,7 @@
         </p:blipFill>
         <p:spPr>
           <a:xfrm>
-            <a:off x="5350739" y="3265477"/>
+            <a:off x="5372511" y="3265477"/>
             <a:ext cx="621422" cy="621422"/>
           </a:xfrm>
           <a:prstGeom prst="rect">
@@ -3935,7 +3935,7 @@
         <p:spPr>
           <a:xfrm rot="10800000">
             <a:off x="3410455" y="1910834"/>
-            <a:ext cx="1940284" cy="1665355"/>
+            <a:ext cx="1962056" cy="1665355"/>
           </a:xfrm>
           <a:prstGeom prst="bentConnector2">
             <a:avLst/>
@@ -4274,7 +4274,7 @@
         </p:nvCxnSpPr>
         <p:spPr>
           <a:xfrm>
-            <a:off x="5972161" y="3576188"/>
+            <a:off x="5993933" y="3576188"/>
             <a:ext cx="1799307" cy="331532"/>
           </a:xfrm>
           <a:prstGeom prst="straightConnector1">
